--- a/documents/Sprint Review 2.pptx
+++ b/documents/Sprint Review 2.pptx
@@ -280,7 +280,7 @@
           <a:p>
             <a:fld id="{8C67752D-0BE2-4B89-B869-18E92A264079}" type="datetimeFigureOut">
               <a:rPr lang="en-ZA" smtClean="0"/>
-              <a:t>2022/09/15</a:t>
+              <a:t>2022/09/16</a:t>
             </a:fld>
             <a:endParaRPr lang="en-ZA"/>
           </a:p>
@@ -480,7 +480,7 @@
           <a:p>
             <a:fld id="{8C67752D-0BE2-4B89-B869-18E92A264079}" type="datetimeFigureOut">
               <a:rPr lang="en-ZA" smtClean="0"/>
-              <a:t>2022/09/15</a:t>
+              <a:t>2022/09/16</a:t>
             </a:fld>
             <a:endParaRPr lang="en-ZA"/>
           </a:p>
@@ -690,7 +690,7 @@
           <a:p>
             <a:fld id="{8C67752D-0BE2-4B89-B869-18E92A264079}" type="datetimeFigureOut">
               <a:rPr lang="en-ZA" smtClean="0"/>
-              <a:t>2022/09/15</a:t>
+              <a:t>2022/09/16</a:t>
             </a:fld>
             <a:endParaRPr lang="en-ZA"/>
           </a:p>
@@ -890,7 +890,7 @@
           <a:p>
             <a:fld id="{8C67752D-0BE2-4B89-B869-18E92A264079}" type="datetimeFigureOut">
               <a:rPr lang="en-ZA" smtClean="0"/>
-              <a:t>2022/09/15</a:t>
+              <a:t>2022/09/16</a:t>
             </a:fld>
             <a:endParaRPr lang="en-ZA"/>
           </a:p>
@@ -1166,7 +1166,7 @@
           <a:p>
             <a:fld id="{8C67752D-0BE2-4B89-B869-18E92A264079}" type="datetimeFigureOut">
               <a:rPr lang="en-ZA" smtClean="0"/>
-              <a:t>2022/09/15</a:t>
+              <a:t>2022/09/16</a:t>
             </a:fld>
             <a:endParaRPr lang="en-ZA"/>
           </a:p>
@@ -1434,7 +1434,7 @@
           <a:p>
             <a:fld id="{8C67752D-0BE2-4B89-B869-18E92A264079}" type="datetimeFigureOut">
               <a:rPr lang="en-ZA" smtClean="0"/>
-              <a:t>2022/09/15</a:t>
+              <a:t>2022/09/16</a:t>
             </a:fld>
             <a:endParaRPr lang="en-ZA"/>
           </a:p>
@@ -1849,7 +1849,7 @@
           <a:p>
             <a:fld id="{8C67752D-0BE2-4B89-B869-18E92A264079}" type="datetimeFigureOut">
               <a:rPr lang="en-ZA" smtClean="0"/>
-              <a:t>2022/09/15</a:t>
+              <a:t>2022/09/16</a:t>
             </a:fld>
             <a:endParaRPr lang="en-ZA"/>
           </a:p>
@@ -1991,7 +1991,7 @@
           <a:p>
             <a:fld id="{8C67752D-0BE2-4B89-B869-18E92A264079}" type="datetimeFigureOut">
               <a:rPr lang="en-ZA" smtClean="0"/>
-              <a:t>2022/09/15</a:t>
+              <a:t>2022/09/16</a:t>
             </a:fld>
             <a:endParaRPr lang="en-ZA"/>
           </a:p>
@@ -2104,7 +2104,7 @@
           <a:p>
             <a:fld id="{8C67752D-0BE2-4B89-B869-18E92A264079}" type="datetimeFigureOut">
               <a:rPr lang="en-ZA" smtClean="0"/>
-              <a:t>2022/09/15</a:t>
+              <a:t>2022/09/16</a:t>
             </a:fld>
             <a:endParaRPr lang="en-ZA"/>
           </a:p>
@@ -2417,7 +2417,7 @@
           <a:p>
             <a:fld id="{8C67752D-0BE2-4B89-B869-18E92A264079}" type="datetimeFigureOut">
               <a:rPr lang="en-ZA" smtClean="0"/>
-              <a:t>2022/09/15</a:t>
+              <a:t>2022/09/16</a:t>
             </a:fld>
             <a:endParaRPr lang="en-ZA"/>
           </a:p>
@@ -2706,7 +2706,7 @@
           <a:p>
             <a:fld id="{8C67752D-0BE2-4B89-B869-18E92A264079}" type="datetimeFigureOut">
               <a:rPr lang="en-ZA" smtClean="0"/>
-              <a:t>2022/09/15</a:t>
+              <a:t>2022/09/16</a:t>
             </a:fld>
             <a:endParaRPr lang="en-ZA"/>
           </a:p>
@@ -2949,7 +2949,7 @@
           <a:p>
             <a:fld id="{8C67752D-0BE2-4B89-B869-18E92A264079}" type="datetimeFigureOut">
               <a:rPr lang="en-ZA" smtClean="0"/>
-              <a:t>2022/09/15</a:t>
+              <a:t>2022/09/16</a:t>
             </a:fld>
             <a:endParaRPr lang="en-ZA"/>
           </a:p>
@@ -5999,6 +5999,7 @@
             </a:extLst>
           </p:cNvPr>
           <p:cNvCxnSpPr>
+            <a:cxnSpLocks/>
             <a:stCxn id="2" idx="2"/>
             <a:endCxn id="39" idx="1"/>
           </p:cNvCxnSpPr>
@@ -6096,14 +6097,15 @@
           </p:cNvPr>
           <p:cNvCxnSpPr>
             <a:cxnSpLocks/>
+            <a:stCxn id="39" idx="2"/>
             <a:endCxn id="45" idx="1"/>
           </p:cNvCxnSpPr>
           <p:nvPr/>
         </p:nvCxnSpPr>
         <p:spPr>
           <a:xfrm rot="16200000" flipH="1">
-            <a:off x="2484804" y="2820059"/>
-            <a:ext cx="551133" cy="323850"/>
+            <a:off x="2474620" y="2809875"/>
+            <a:ext cx="565151" cy="330200"/>
           </a:xfrm>
           <a:prstGeom prst="bentConnector2">
             <a:avLst/>
@@ -6587,8 +6589,19 @@
                 <a:latin typeface="Fredoka" pitchFamily="2" charset="-79"/>
                 <a:cs typeface="Fredoka" pitchFamily="2" charset="-79"/>
               </a:rPr>
-              <a:t>Arrival time</a:t>
+              <a:t>Departure time </a:t>
             </a:r>
+            <a:r>
+              <a:rPr lang="en-ZA" sz="2400" cap="small" dirty="0">
+                <a:latin typeface="Fredoka" pitchFamily="2" charset="-79"/>
+                <a:cs typeface="Fredoka" pitchFamily="2" charset="-79"/>
+              </a:rPr>
+              <a:t>*</a:t>
+            </a:r>
+            <a:endParaRPr lang="en-ZA" sz="3000" cap="small" dirty="0">
+              <a:latin typeface="Fredoka" pitchFamily="2" charset="-79"/>
+              <a:cs typeface="Fredoka" pitchFamily="2" charset="-79"/>
+            </a:endParaRPr>
           </a:p>
         </p:txBody>
       </p:sp>
@@ -7810,14 +7823,15 @@
           </p:cNvPr>
           <p:cNvCxnSpPr>
             <a:cxnSpLocks/>
+            <a:stCxn id="39" idx="2"/>
             <a:endCxn id="45" idx="1"/>
           </p:cNvCxnSpPr>
           <p:nvPr/>
         </p:nvCxnSpPr>
         <p:spPr>
           <a:xfrm rot="16200000" flipH="1">
-            <a:off x="2427852" y="2818775"/>
-            <a:ext cx="551133" cy="323850"/>
+            <a:off x="2417668" y="2808591"/>
+            <a:ext cx="565151" cy="330200"/>
           </a:xfrm>
           <a:prstGeom prst="bentConnector2">
             <a:avLst/>
@@ -10270,8 +10284,8 @@
         </p:nvSpPr>
         <p:spPr>
           <a:xfrm>
-            <a:off x="5414724" y="4014882"/>
-            <a:ext cx="1362552" cy="461665"/>
+            <a:off x="4964279" y="3972487"/>
+            <a:ext cx="2263440" cy="461665"/>
           </a:xfrm>
           <a:prstGeom prst="rect">
             <a:avLst/>
@@ -10289,7 +10303,7 @@
                 <a:latin typeface="Fredoka" pitchFamily="2" charset="-79"/>
                 <a:cs typeface="Fredoka" pitchFamily="2" charset="-79"/>
               </a:rPr>
-              <a:t>nothing</a:t>
+              <a:t>arrival times</a:t>
             </a:r>
           </a:p>
         </p:txBody>
@@ -10346,7 +10360,7 @@
         </p:nvSpPr>
         <p:spPr>
           <a:xfrm>
-            <a:off x="5109351" y="2090832"/>
+            <a:off x="5109350" y="2069459"/>
             <a:ext cx="1973297" cy="461665"/>
           </a:xfrm>
           <a:prstGeom prst="rect">
@@ -10782,7 +10796,7 @@
         <p:spPr>
           <a:xfrm>
             <a:off x="3471884" y="1634430"/>
-            <a:ext cx="5652188" cy="2308324"/>
+            <a:ext cx="5652188" cy="3231654"/>
           </a:xfrm>
           <a:prstGeom prst="rect">
             <a:avLst/>
@@ -10826,11 +10840,11 @@
               <a:buChar char="•"/>
             </a:pPr>
             <a:r>
-              <a:rPr lang="en-ZA" sz="3000" cap="small" dirty="0">
+              <a:rPr lang="en-ZA" sz="2400" cap="small" dirty="0">
                 <a:latin typeface="Fredoka" pitchFamily="2" charset="-79"/>
                 <a:cs typeface="Fredoka" pitchFamily="2" charset="-79"/>
               </a:rPr>
-              <a:t>(maybe custom labels)</a:t>
+              <a:t>maybe custom labels</a:t>
             </a:r>
           </a:p>
           <a:p>
@@ -10844,6 +10858,32 @@
                 <a:cs typeface="Fredoka" pitchFamily="2" charset="-79"/>
               </a:rPr>
               <a:t>Fuzzy schools</a:t>
+            </a:r>
+          </a:p>
+          <a:p>
+            <a:pPr marL="457200" indent="-457200">
+              <a:buFont typeface="Arial" panose="020B0604020202020204" pitchFamily="34" charset="0"/>
+              <a:buChar char="•"/>
+            </a:pPr>
+            <a:r>
+              <a:rPr lang="en-ZA" sz="3000" cap="small" dirty="0">
+                <a:latin typeface="Fredoka" pitchFamily="2" charset="-79"/>
+                <a:cs typeface="Fredoka" pitchFamily="2" charset="-79"/>
+              </a:rPr>
+              <a:t>Arrival times</a:t>
+            </a:r>
+          </a:p>
+          <a:p>
+            <a:pPr marL="457200" indent="-457200">
+              <a:buFont typeface="Arial" panose="020B0604020202020204" pitchFamily="34" charset="0"/>
+              <a:buChar char="•"/>
+            </a:pPr>
+            <a:r>
+              <a:rPr lang="en-ZA" sz="3000" cap="small" dirty="0">
+                <a:latin typeface="Fredoka" pitchFamily="2" charset="-79"/>
+                <a:cs typeface="Fredoka" pitchFamily="2" charset="-79"/>
+              </a:rPr>
+              <a:t>React testing suite</a:t>
             </a:r>
           </a:p>
           <a:p>
@@ -11152,6 +11192,128 @@
                                           <p:spTgt spid="2">
                                             <p:txEl>
                                               <p:pRg st="4" end="4"/>
+                                            </p:txEl>
+                                          </p:spTgt>
+                                        </p:tgtEl>
+                                      </p:cBhvr>
+                                    </p:animEffect>
+                                  </p:childTnLst>
+                                </p:cTn>
+                              </p:par>
+                            </p:childTnLst>
+                          </p:cTn>
+                        </p:par>
+                      </p:childTnLst>
+                    </p:cTn>
+                  </p:par>
+                  <p:par>
+                    <p:cTn id="26" fill="hold">
+                      <p:stCondLst>
+                        <p:cond delay="indefinite"/>
+                      </p:stCondLst>
+                      <p:childTnLst>
+                        <p:par>
+                          <p:cTn id="27" fill="hold">
+                            <p:stCondLst>
+                              <p:cond delay="0"/>
+                            </p:stCondLst>
+                            <p:childTnLst>
+                              <p:par>
+                                <p:cTn id="28" presetID="10" presetClass="entr" presetSubtype="0" fill="hold" grpId="0" nodeType="clickEffect">
+                                  <p:stCondLst>
+                                    <p:cond delay="0"/>
+                                  </p:stCondLst>
+                                  <p:childTnLst>
+                                    <p:set>
+                                      <p:cBhvr>
+                                        <p:cTn id="29" dur="1" fill="hold">
+                                          <p:stCondLst>
+                                            <p:cond delay="0"/>
+                                          </p:stCondLst>
+                                        </p:cTn>
+                                        <p:tgtEl>
+                                          <p:spTgt spid="2">
+                                            <p:txEl>
+                                              <p:pRg st="5" end="5"/>
+                                            </p:txEl>
+                                          </p:spTgt>
+                                        </p:tgtEl>
+                                        <p:attrNameLst>
+                                          <p:attrName>style.visibility</p:attrName>
+                                        </p:attrNameLst>
+                                      </p:cBhvr>
+                                      <p:to>
+                                        <p:strVal val="visible"/>
+                                      </p:to>
+                                    </p:set>
+                                    <p:animEffect transition="in" filter="fade">
+                                      <p:cBhvr>
+                                        <p:cTn id="30" dur="500"/>
+                                        <p:tgtEl>
+                                          <p:spTgt spid="2">
+                                            <p:txEl>
+                                              <p:pRg st="5" end="5"/>
+                                            </p:txEl>
+                                          </p:spTgt>
+                                        </p:tgtEl>
+                                      </p:cBhvr>
+                                    </p:animEffect>
+                                  </p:childTnLst>
+                                </p:cTn>
+                              </p:par>
+                            </p:childTnLst>
+                          </p:cTn>
+                        </p:par>
+                      </p:childTnLst>
+                    </p:cTn>
+                  </p:par>
+                  <p:par>
+                    <p:cTn id="31" fill="hold">
+                      <p:stCondLst>
+                        <p:cond delay="indefinite"/>
+                      </p:stCondLst>
+                      <p:childTnLst>
+                        <p:par>
+                          <p:cTn id="32" fill="hold">
+                            <p:stCondLst>
+                              <p:cond delay="0"/>
+                            </p:stCondLst>
+                            <p:childTnLst>
+                              <p:par>
+                                <p:cTn id="33" presetID="10" presetClass="entr" presetSubtype="0" fill="hold" grpId="0" nodeType="clickEffect">
+                                  <p:stCondLst>
+                                    <p:cond delay="0"/>
+                                  </p:stCondLst>
+                                  <p:childTnLst>
+                                    <p:set>
+                                      <p:cBhvr>
+                                        <p:cTn id="34" dur="1" fill="hold">
+                                          <p:stCondLst>
+                                            <p:cond delay="0"/>
+                                          </p:stCondLst>
+                                        </p:cTn>
+                                        <p:tgtEl>
+                                          <p:spTgt spid="2">
+                                            <p:txEl>
+                                              <p:pRg st="6" end="6"/>
+                                            </p:txEl>
+                                          </p:spTgt>
+                                        </p:tgtEl>
+                                        <p:attrNameLst>
+                                          <p:attrName>style.visibility</p:attrName>
+                                        </p:attrNameLst>
+                                      </p:cBhvr>
+                                      <p:to>
+                                        <p:strVal val="visible"/>
+                                      </p:to>
+                                    </p:set>
+                                    <p:animEffect transition="in" filter="fade">
+                                      <p:cBhvr>
+                                        <p:cTn id="35" dur="500"/>
+                                        <p:tgtEl>
+                                          <p:spTgt spid="2">
+                                            <p:txEl>
+                                              <p:pRg st="6" end="6"/>
                                             </p:txEl>
                                           </p:spTgt>
                                         </p:tgtEl>
@@ -11413,100 +11575,6 @@
   <p:clrMapOvr>
     <a:masterClrMapping/>
   </p:clrMapOvr>
-  <p:timing>
-    <p:tnLst>
-      <p:par>
-        <p:cTn id="1" dur="indefinite" restart="never" nodeType="tmRoot">
-          <p:childTnLst>
-            <p:seq concurrent="1" nextAc="seek">
-              <p:cTn id="2" dur="indefinite" nodeType="mainSeq">
-                <p:childTnLst>
-                  <p:par>
-                    <p:cTn id="3" fill="hold">
-                      <p:stCondLst>
-                        <p:cond delay="indefinite"/>
-                      </p:stCondLst>
-                      <p:childTnLst>
-                        <p:par>
-                          <p:cTn id="4" fill="hold">
-                            <p:stCondLst>
-                              <p:cond delay="0"/>
-                            </p:stCondLst>
-                            <p:childTnLst>
-                              <p:par>
-                                <p:cTn id="5" presetID="10" presetClass="entr" presetSubtype="0" fill="hold" grpId="0" nodeType="clickEffect">
-                                  <p:stCondLst>
-                                    <p:cond delay="0"/>
-                                  </p:stCondLst>
-                                  <p:childTnLst>
-                                    <p:set>
-                                      <p:cBhvr>
-                                        <p:cTn id="6" dur="1" fill="hold">
-                                          <p:stCondLst>
-                                            <p:cond delay="0"/>
-                                          </p:stCondLst>
-                                        </p:cTn>
-                                        <p:tgtEl>
-                                          <p:spTgt spid="15">
-                                            <p:txEl>
-                                              <p:pRg st="0" end="0"/>
-                                            </p:txEl>
-                                          </p:spTgt>
-                                        </p:tgtEl>
-                                        <p:attrNameLst>
-                                          <p:attrName>style.visibility</p:attrName>
-                                        </p:attrNameLst>
-                                      </p:cBhvr>
-                                      <p:to>
-                                        <p:strVal val="visible"/>
-                                      </p:to>
-                                    </p:set>
-                                    <p:animEffect transition="in" filter="fade">
-                                      <p:cBhvr>
-                                        <p:cTn id="7" dur="500"/>
-                                        <p:tgtEl>
-                                          <p:spTgt spid="15">
-                                            <p:txEl>
-                                              <p:pRg st="0" end="0"/>
-                                            </p:txEl>
-                                          </p:spTgt>
-                                        </p:tgtEl>
-                                      </p:cBhvr>
-                                    </p:animEffect>
-                                  </p:childTnLst>
-                                </p:cTn>
-                              </p:par>
-                            </p:childTnLst>
-                          </p:cTn>
-                        </p:par>
-                      </p:childTnLst>
-                    </p:cTn>
-                  </p:par>
-                </p:childTnLst>
-              </p:cTn>
-              <p:prevCondLst>
-                <p:cond evt="onPrev" delay="0">
-                  <p:tgtEl>
-                    <p:sldTgt/>
-                  </p:tgtEl>
-                </p:cond>
-              </p:prevCondLst>
-              <p:nextCondLst>
-                <p:cond evt="onNext" delay="0">
-                  <p:tgtEl>
-                    <p:sldTgt/>
-                  </p:tgtEl>
-                </p:cond>
-              </p:nextCondLst>
-            </p:seq>
-          </p:childTnLst>
-        </p:cTn>
-      </p:par>
-    </p:tnLst>
-    <p:bldLst>
-      <p:bldP spid="15" grpId="0" build="p"/>
-    </p:bldLst>
-  </p:timing>
 </p:sld>
 </file>
 
